--- a/abdmImplementation/IndiaFHIR-CAT21-ABDM-Technical.pptx
+++ b/abdmImplementation/IndiaFHIR-CAT21-ABDM-Technical.pptx
@@ -5,29 +5,36 @@
     <p:sldMasterId id="2147483654" r:id="rId1"/>
   </p:sldMasterIdLst>
   <p:notesMasterIdLst>
-    <p:notesMasterId r:id="rId5"/>
+    <p:notesMasterId r:id="rId12"/>
   </p:notesMasterIdLst>
   <p:sldIdLst>
     <p:sldId id="257" r:id="rId2"/>
     <p:sldId id="258" r:id="rId3"/>
     <p:sldId id="259" r:id="rId4"/>
+    <p:sldId id="260" r:id="rId5"/>
+    <p:sldId id="261" r:id="rId6"/>
+    <p:sldId id="311" r:id="rId7"/>
+    <p:sldId id="262" r:id="rId8"/>
+    <p:sldId id="264" r:id="rId9"/>
+    <p:sldId id="309" r:id="rId10"/>
+    <p:sldId id="310" r:id="rId11"/>
   </p:sldIdLst>
   <p:sldSz cx="12192000" cy="6858000"/>
   <p:notesSz cx="6858000" cy="9144000"/>
   <p:embeddedFontLst>
     <p:embeddedFont>
       <p:font typeface="Calibri" panose="020F0502020204030204" pitchFamily="34" charset="0"/>
-      <p:regular r:id="rId6"/>
-      <p:bold r:id="rId7"/>
-      <p:italic r:id="rId8"/>
-      <p:boldItalic r:id="rId9"/>
+      <p:regular r:id="rId13"/>
+      <p:bold r:id="rId14"/>
+      <p:italic r:id="rId15"/>
+      <p:boldItalic r:id="rId16"/>
     </p:embeddedFont>
     <p:embeddedFont>
       <p:font typeface="Poppins" panose="00000500000000000000" pitchFamily="2" charset="0"/>
-      <p:regular r:id="rId10"/>
-      <p:bold r:id="rId11"/>
-      <p:italic r:id="rId12"/>
-      <p:boldItalic r:id="rId13"/>
+      <p:regular r:id="rId17"/>
+      <p:bold r:id="rId18"/>
+      <p:italic r:id="rId19"/>
+      <p:boldItalic r:id="rId20"/>
     </p:embeddedFont>
   </p:embeddedFontLst>
   <p:defaultTextStyle>
@@ -264,7 +271,7 @@
       <p15:sldGuideLst xmlns:p15="http://schemas.microsoft.com/office/powerpoint/2012/main"/>
     </p:ext>
     <p:ext uri="http://customooxmlschemas.google.com/">
-      <go:slidesCustomData xmlns="" xmlns:mc="http://schemas.openxmlformats.org/markup-compatibility/2006" xmlns:mv="urn:schemas-microsoft-com:mac:vml" xmlns:c="http://schemas.openxmlformats.org/drawingml/2006/chart" xmlns:dgm="http://schemas.openxmlformats.org/drawingml/2006/diagram" xmlns:o="urn:schemas-microsoft-com:office:office" xmlns:v="urn:schemas-microsoft-com:vml" xmlns:pvml="urn:schemas-microsoft-com:office:powerpoint" xmlns:com="http://schemas.openxmlformats.org/drawingml/2006/compatibility" xmlns:p14="http://schemas.microsoft.com/office/powerpoint/2010/main" xmlns:p15="http://schemas.microsoft.com/office/powerpoint/2012/main" xmlns:ahyp="http://schemas.microsoft.com/office/drawing/2018/hyperlinkcolor" xmlns:go="http://customooxmlschemas.google.com/" r:id="rId42" roundtripDataSignature="AMtx7mh++L/xfm0KNCTslTAfhH/NR+/LlA=="/>
+      <go:slidesCustomData xmlns:go="http://customooxmlschemas.google.com/" xmlns:ahyp="http://schemas.microsoft.com/office/drawing/2018/hyperlinkcolor" xmlns:p15="http://schemas.microsoft.com/office/powerpoint/2012/main" xmlns:p14="http://schemas.microsoft.com/office/powerpoint/2010/main" xmlns:com="http://schemas.openxmlformats.org/drawingml/2006/compatibility" xmlns:pvml="urn:schemas-microsoft-com:office:powerpoint" xmlns:v="urn:schemas-microsoft-com:vml" xmlns:o="urn:schemas-microsoft-com:office:office" xmlns:dgm="http://schemas.openxmlformats.org/drawingml/2006/diagram" xmlns:c="http://schemas.openxmlformats.org/drawingml/2006/chart" xmlns:mv="urn:schemas-microsoft-com:mac:vml" xmlns:mc="http://schemas.openxmlformats.org/markup-compatibility/2006" xmlns="" r:id="rId42" roundtripDataSignature="AMtx7mh++L/xfm0KNCTslTAfhH/NR+/LlA=="/>
     </p:ext>
   </p:extLst>
 </p:presentation>
@@ -3423,6 +3430,119 @@
 </p:sld>
 </file>
 
+<file path=ppt/slides/slide10.xml><?xml version="1.0" encoding="utf-8"?>
+<p:sld xmlns:a="http://schemas.openxmlformats.org/drawingml/2006/main" xmlns:r="http://schemas.openxmlformats.org/officeDocument/2006/relationships" xmlns:p="http://schemas.openxmlformats.org/presentationml/2006/main">
+  <p:cSld>
+    <p:spTree>
+      <p:nvGrpSpPr>
+        <p:cNvPr id="1" name=""/>
+        <p:cNvGrpSpPr/>
+        <p:nvPr/>
+      </p:nvGrpSpPr>
+      <p:grpSpPr>
+        <a:xfrm>
+          <a:off x="0" y="0"/>
+          <a:ext cx="0" cy="0"/>
+          <a:chOff x="0" y="0"/>
+          <a:chExt cx="0" cy="0"/>
+        </a:xfrm>
+      </p:grpSpPr>
+      <p:sp>
+        <p:nvSpPr>
+          <p:cNvPr id="2" name="Title 1">
+            <a:extLst>
+              <a:ext uri="{FF2B5EF4-FFF2-40B4-BE49-F238E27FC236}">
+                <a16:creationId xmlns:a16="http://schemas.microsoft.com/office/drawing/2014/main" id="{254AE20A-EF65-40D0-872F-1C110A638ADC}"/>
+              </a:ext>
+            </a:extLst>
+          </p:cNvPr>
+          <p:cNvSpPr>
+            <a:spLocks noGrp="1"/>
+          </p:cNvSpPr>
+          <p:nvPr>
+            <p:ph type="title"/>
+          </p:nvPr>
+        </p:nvSpPr>
+        <p:spPr/>
+        <p:txBody>
+          <a:bodyPr/>
+          <a:lstStyle/>
+          <a:p>
+            <a:r>
+              <a:rPr lang="en-IN" dirty="0"/>
+              <a:t>Artifacts for Use Case</a:t>
+            </a:r>
+            <a:endParaRPr lang="en-US" dirty="0"/>
+          </a:p>
+        </p:txBody>
+      </p:sp>
+      <p:sp>
+        <p:nvSpPr>
+          <p:cNvPr id="3" name="Content Placeholder 2">
+            <a:extLst>
+              <a:ext uri="{FF2B5EF4-FFF2-40B4-BE49-F238E27FC236}">
+                <a16:creationId xmlns:a16="http://schemas.microsoft.com/office/drawing/2014/main" id="{420AF71E-E86F-44D9-A0B9-588596B4EDAA}"/>
+              </a:ext>
+            </a:extLst>
+          </p:cNvPr>
+          <p:cNvSpPr>
+            <a:spLocks noGrp="1"/>
+          </p:cNvSpPr>
+          <p:nvPr>
+            <p:ph idx="1"/>
+          </p:nvPr>
+        </p:nvSpPr>
+        <p:spPr/>
+        <p:txBody>
+          <a:bodyPr/>
+          <a:lstStyle/>
+          <a:p>
+            <a:r>
+              <a:rPr lang="en-IN" dirty="0"/>
+              <a:t>Health ID </a:t>
+            </a:r>
+          </a:p>
+          <a:p>
+            <a:r>
+              <a:rPr lang="en-IN" dirty="0"/>
+              <a:t>HIP ID </a:t>
+            </a:r>
+          </a:p>
+          <a:p>
+            <a:r>
+              <a:rPr lang="en-IN" dirty="0"/>
+              <a:t>PHR App </a:t>
+            </a:r>
+          </a:p>
+          <a:p>
+            <a:r>
+              <a:rPr lang="en-IN" dirty="0"/>
+              <a:t>Data Payload </a:t>
+            </a:r>
+          </a:p>
+          <a:p>
+            <a:pPr lvl="1"/>
+            <a:r>
+              <a:rPr lang="en-IN" dirty="0"/>
+              <a:t>FHIR Data compliant to NRCES ABDM FHIR Profiles</a:t>
+            </a:r>
+            <a:endParaRPr lang="en-US" dirty="0"/>
+          </a:p>
+        </p:txBody>
+      </p:sp>
+    </p:spTree>
+    <p:extLst>
+      <p:ext uri="{BB962C8B-B14F-4D97-AF65-F5344CB8AC3E}">
+        <p14:creationId xmlns:p14="http://schemas.microsoft.com/office/powerpoint/2010/main" val="1066186737"/>
+      </p:ext>
+    </p:extLst>
+  </p:cSld>
+  <p:clrMapOvr>
+    <a:masterClrMapping/>
+  </p:clrMapOvr>
+</p:sld>
+</file>
+
 <file path=ppt/slides/slide2.xml><?xml version="1.0" encoding="utf-8"?>
 <p:sld xmlns:a="http://schemas.openxmlformats.org/drawingml/2006/main" xmlns:r="http://schemas.openxmlformats.org/officeDocument/2006/relationships" xmlns:p="http://schemas.openxmlformats.org/presentationml/2006/main">
   <p:cSld>
@@ -3908,6 +4028,880 @@
     <p:extLst>
       <p:ext uri="{BB962C8B-B14F-4D97-AF65-F5344CB8AC3E}">
         <p14:creationId xmlns:p14="http://schemas.microsoft.com/office/powerpoint/2010/main" val="469721190"/>
+      </p:ext>
+    </p:extLst>
+  </p:cSld>
+  <p:clrMapOvr>
+    <a:masterClrMapping/>
+  </p:clrMapOvr>
+</p:sld>
+</file>
+
+<file path=ppt/slides/slide4.xml><?xml version="1.0" encoding="utf-8"?>
+<p:sld xmlns:a="http://schemas.openxmlformats.org/drawingml/2006/main" xmlns:r="http://schemas.openxmlformats.org/officeDocument/2006/relationships" xmlns:p="http://schemas.openxmlformats.org/presentationml/2006/main">
+  <p:cSld>
+    <p:spTree>
+      <p:nvGrpSpPr>
+        <p:cNvPr id="1" name=""/>
+        <p:cNvGrpSpPr/>
+        <p:nvPr/>
+      </p:nvGrpSpPr>
+      <p:grpSpPr>
+        <a:xfrm>
+          <a:off x="0" y="0"/>
+          <a:ext cx="0" cy="0"/>
+          <a:chOff x="0" y="0"/>
+          <a:chExt cx="0" cy="0"/>
+        </a:xfrm>
+      </p:grpSpPr>
+      <p:sp>
+        <p:nvSpPr>
+          <p:cNvPr id="5" name="Title 4">
+            <a:extLst>
+              <a:ext uri="{FF2B5EF4-FFF2-40B4-BE49-F238E27FC236}">
+                <a16:creationId xmlns:a16="http://schemas.microsoft.com/office/drawing/2014/main" id="{FFCAE778-29D4-45D4-97F9-ECC7FD12C873}"/>
+              </a:ext>
+            </a:extLst>
+          </p:cNvPr>
+          <p:cNvSpPr>
+            <a:spLocks noGrp="1"/>
+          </p:cNvSpPr>
+          <p:nvPr>
+            <p:ph type="ctrTitle"/>
+          </p:nvPr>
+        </p:nvSpPr>
+        <p:spPr/>
+        <p:txBody>
+          <a:bodyPr/>
+          <a:lstStyle/>
+          <a:p>
+            <a:r>
+              <a:rPr lang="en-IN" dirty="0">
+                <a:solidFill>
+                  <a:schemeClr val="tx1"/>
+                </a:solidFill>
+              </a:rPr>
+              <a:t>Health ID</a:t>
+            </a:r>
+            <a:endParaRPr lang="en-US" dirty="0">
+              <a:solidFill>
+                <a:schemeClr val="tx1"/>
+              </a:solidFill>
+            </a:endParaRPr>
+          </a:p>
+        </p:txBody>
+      </p:sp>
+      <p:sp>
+        <p:nvSpPr>
+          <p:cNvPr id="6" name="Subtitle 5">
+            <a:extLst>
+              <a:ext uri="{FF2B5EF4-FFF2-40B4-BE49-F238E27FC236}">
+                <a16:creationId xmlns:a16="http://schemas.microsoft.com/office/drawing/2014/main" id="{501C02B8-BE75-42E2-9559-EA24DCB28E7B}"/>
+              </a:ext>
+            </a:extLst>
+          </p:cNvPr>
+          <p:cNvSpPr>
+            <a:spLocks noGrp="1"/>
+          </p:cNvSpPr>
+          <p:nvPr>
+            <p:ph type="subTitle" idx="1"/>
+          </p:nvPr>
+        </p:nvSpPr>
+        <p:spPr/>
+        <p:txBody>
+          <a:bodyPr/>
+          <a:lstStyle/>
+          <a:p>
+            <a:r>
+              <a:rPr lang="en-IN" dirty="0"/>
+              <a:t>Create, Capture, Verify</a:t>
+            </a:r>
+            <a:endParaRPr lang="en-US" dirty="0"/>
+          </a:p>
+        </p:txBody>
+      </p:sp>
+      <p:sp>
+        <p:nvSpPr>
+          <p:cNvPr id="4" name="Slide Number Placeholder 3">
+            <a:extLst>
+              <a:ext uri="{FF2B5EF4-FFF2-40B4-BE49-F238E27FC236}">
+                <a16:creationId xmlns:a16="http://schemas.microsoft.com/office/drawing/2014/main" id="{EECD9164-7526-49B5-A54C-D6C195B07729}"/>
+              </a:ext>
+            </a:extLst>
+          </p:cNvPr>
+          <p:cNvSpPr>
+            <a:spLocks noGrp="1"/>
+          </p:cNvSpPr>
+          <p:nvPr>
+            <p:ph type="sldNum" sz="quarter" idx="4"/>
+          </p:nvPr>
+        </p:nvSpPr>
+        <p:spPr/>
+        <p:txBody>
+          <a:bodyPr/>
+          <a:lstStyle/>
+          <a:p>
+            <a:fld id="{E0E99AB9-835E-4D90-AA63-DE64C8EE601D}" type="slidenum">
+              <a:rPr lang="en-IN" smtClean="0"/>
+              <a:pPr/>
+              <a:t>4</a:t>
+            </a:fld>
+            <a:endParaRPr lang="en-IN" dirty="0"/>
+          </a:p>
+        </p:txBody>
+      </p:sp>
+    </p:spTree>
+    <p:extLst>
+      <p:ext uri="{BB962C8B-B14F-4D97-AF65-F5344CB8AC3E}">
+        <p14:creationId xmlns:p14="http://schemas.microsoft.com/office/powerpoint/2010/main" val="483169517"/>
+      </p:ext>
+    </p:extLst>
+  </p:cSld>
+  <p:clrMapOvr>
+    <a:masterClrMapping/>
+  </p:clrMapOvr>
+</p:sld>
+</file>
+
+<file path=ppt/slides/slide5.xml><?xml version="1.0" encoding="utf-8"?>
+<p:sld xmlns:a="http://schemas.openxmlformats.org/drawingml/2006/main" xmlns:r="http://schemas.openxmlformats.org/officeDocument/2006/relationships" xmlns:p="http://schemas.openxmlformats.org/presentationml/2006/main">
+  <p:cSld>
+    <p:spTree>
+      <p:nvGrpSpPr>
+        <p:cNvPr id="1" name=""/>
+        <p:cNvGrpSpPr/>
+        <p:nvPr/>
+      </p:nvGrpSpPr>
+      <p:grpSpPr>
+        <a:xfrm>
+          <a:off x="0" y="0"/>
+          <a:ext cx="0" cy="0"/>
+          <a:chOff x="0" y="0"/>
+          <a:chExt cx="0" cy="0"/>
+        </a:xfrm>
+      </p:grpSpPr>
+      <p:sp>
+        <p:nvSpPr>
+          <p:cNvPr id="2" name="Title 1">
+            <a:extLst>
+              <a:ext uri="{FF2B5EF4-FFF2-40B4-BE49-F238E27FC236}">
+                <a16:creationId xmlns:a16="http://schemas.microsoft.com/office/drawing/2014/main" id="{61154520-EAE8-4021-80CF-D75CBAE63873}"/>
+              </a:ext>
+            </a:extLst>
+          </p:cNvPr>
+          <p:cNvSpPr>
+            <a:spLocks noGrp="1"/>
+          </p:cNvSpPr>
+          <p:nvPr>
+            <p:ph type="title"/>
+          </p:nvPr>
+        </p:nvSpPr>
+        <p:spPr/>
+        <p:txBody>
+          <a:bodyPr/>
+          <a:lstStyle/>
+          <a:p>
+            <a:r>
+              <a:rPr lang="en-IN" dirty="0"/>
+              <a:t>Create Health ID</a:t>
+            </a:r>
+            <a:endParaRPr lang="en-US" dirty="0"/>
+          </a:p>
+        </p:txBody>
+      </p:sp>
+      <p:sp>
+        <p:nvSpPr>
+          <p:cNvPr id="3" name="Content Placeholder 2">
+            <a:extLst>
+              <a:ext uri="{FF2B5EF4-FFF2-40B4-BE49-F238E27FC236}">
+                <a16:creationId xmlns:a16="http://schemas.microsoft.com/office/drawing/2014/main" id="{91FF9777-CA2F-4439-AFD5-B1982578F19A}"/>
+              </a:ext>
+            </a:extLst>
+          </p:cNvPr>
+          <p:cNvSpPr>
+            <a:spLocks noGrp="1"/>
+          </p:cNvSpPr>
+          <p:nvPr>
+            <p:ph idx="1"/>
+          </p:nvPr>
+        </p:nvSpPr>
+        <p:spPr/>
+        <p:txBody>
+          <a:bodyPr/>
+          <a:lstStyle/>
+          <a:p>
+            <a:r>
+              <a:rPr lang="en-IN" dirty="0"/>
+              <a:t>Self Registration </a:t>
+            </a:r>
+          </a:p>
+          <a:p>
+            <a:pPr lvl="1"/>
+            <a:r>
+              <a:rPr lang="en-IN" dirty="0"/>
+              <a:t>PHR app </a:t>
+            </a:r>
+            <a:r>
+              <a:rPr lang="en-US" dirty="0">
+                <a:hlinkClick r:id="rId2"/>
+              </a:rPr>
+              <a:t>Download PHR App</a:t>
+            </a:r>
+            <a:r>
+              <a:rPr lang="en-US" dirty="0"/>
+              <a:t> – Android only</a:t>
+            </a:r>
+            <a:endParaRPr lang="en-IN" dirty="0"/>
+          </a:p>
+          <a:p>
+            <a:pPr lvl="1"/>
+            <a:r>
+              <a:rPr lang="en-IN" dirty="0"/>
+              <a:t>Health ID portal </a:t>
+            </a:r>
+            <a:r>
+              <a:rPr lang="en-IN" dirty="0">
+                <a:hlinkClick r:id="rId3"/>
+              </a:rPr>
+              <a:t>Generate | Health ID (ndhm.gov.in)</a:t>
+            </a:r>
+            <a:endParaRPr lang="en-IN" dirty="0"/>
+          </a:p>
+          <a:p>
+            <a:pPr lvl="1"/>
+            <a:r>
+              <a:rPr lang="en-IN" dirty="0"/>
+              <a:t>APIs – vendors can build their own interface and assist in creation of Health IDs </a:t>
+            </a:r>
+          </a:p>
+          <a:p>
+            <a:pPr marL="457200" lvl="1" indent="0">
+              <a:buNone/>
+            </a:pPr>
+            <a:endParaRPr lang="en-IN" dirty="0"/>
+          </a:p>
+          <a:p>
+            <a:r>
+              <a:rPr lang="en-IN" dirty="0"/>
+              <a:t>Assisted Registration </a:t>
+            </a:r>
+          </a:p>
+          <a:p>
+            <a:pPr lvl="1"/>
+            <a:r>
+              <a:rPr lang="en-IN" dirty="0"/>
+              <a:t>Biometric</a:t>
+            </a:r>
+          </a:p>
+          <a:p>
+            <a:pPr lvl="1"/>
+            <a:r>
+              <a:rPr lang="en-IN" dirty="0"/>
+              <a:t>Facility Manager</a:t>
+            </a:r>
+          </a:p>
+          <a:p>
+            <a:endParaRPr lang="en-US" dirty="0"/>
+          </a:p>
+        </p:txBody>
+      </p:sp>
+      <p:sp>
+        <p:nvSpPr>
+          <p:cNvPr id="4" name="Slide Number Placeholder 3">
+            <a:extLst>
+              <a:ext uri="{FF2B5EF4-FFF2-40B4-BE49-F238E27FC236}">
+                <a16:creationId xmlns:a16="http://schemas.microsoft.com/office/drawing/2014/main" id="{1CDB1AEF-DC65-457E-BB1B-D5C160A5D317}"/>
+              </a:ext>
+            </a:extLst>
+          </p:cNvPr>
+          <p:cNvSpPr>
+            <a:spLocks noGrp="1"/>
+          </p:cNvSpPr>
+          <p:nvPr>
+            <p:ph type="sldNum" sz="quarter" idx="4"/>
+          </p:nvPr>
+        </p:nvSpPr>
+        <p:spPr/>
+        <p:txBody>
+          <a:bodyPr/>
+          <a:lstStyle/>
+          <a:p>
+            <a:fld id="{E0E99AB9-835E-4D90-AA63-DE64C8EE601D}" type="slidenum">
+              <a:rPr lang="en-IN" smtClean="0"/>
+              <a:pPr/>
+              <a:t>5</a:t>
+            </a:fld>
+            <a:endParaRPr lang="en-IN" dirty="0"/>
+          </a:p>
+        </p:txBody>
+      </p:sp>
+    </p:spTree>
+    <p:extLst>
+      <p:ext uri="{BB962C8B-B14F-4D97-AF65-F5344CB8AC3E}">
+        <p14:creationId xmlns:p14="http://schemas.microsoft.com/office/powerpoint/2010/main" val="1312941339"/>
+      </p:ext>
+    </p:extLst>
+  </p:cSld>
+  <p:clrMapOvr>
+    <a:masterClrMapping/>
+  </p:clrMapOvr>
+</p:sld>
+</file>
+
+<file path=ppt/slides/slide6.xml><?xml version="1.0" encoding="utf-8"?>
+<p:sld xmlns:a="http://schemas.openxmlformats.org/drawingml/2006/main" xmlns:r="http://schemas.openxmlformats.org/officeDocument/2006/relationships" xmlns:p="http://schemas.openxmlformats.org/presentationml/2006/main">
+  <p:cSld>
+    <p:spTree>
+      <p:nvGrpSpPr>
+        <p:cNvPr id="1" name=""/>
+        <p:cNvGrpSpPr/>
+        <p:nvPr/>
+      </p:nvGrpSpPr>
+      <p:grpSpPr>
+        <a:xfrm>
+          <a:off x="0" y="0"/>
+          <a:ext cx="0" cy="0"/>
+          <a:chOff x="0" y="0"/>
+          <a:chExt cx="0" cy="0"/>
+        </a:xfrm>
+      </p:grpSpPr>
+      <p:sp>
+        <p:nvSpPr>
+          <p:cNvPr id="2" name="Title 1">
+            <a:extLst>
+              <a:ext uri="{FF2B5EF4-FFF2-40B4-BE49-F238E27FC236}">
+                <a16:creationId xmlns:a16="http://schemas.microsoft.com/office/drawing/2014/main" id="{61154520-EAE8-4021-80CF-D75CBAE63873}"/>
+              </a:ext>
+            </a:extLst>
+          </p:cNvPr>
+          <p:cNvSpPr>
+            <a:spLocks noGrp="1"/>
+          </p:cNvSpPr>
+          <p:nvPr>
+            <p:ph type="title"/>
+          </p:nvPr>
+        </p:nvSpPr>
+        <p:spPr/>
+        <p:txBody>
+          <a:bodyPr/>
+          <a:lstStyle/>
+          <a:p>
+            <a:r>
+              <a:rPr lang="en-IN" dirty="0"/>
+              <a:t>Create Health ID</a:t>
+            </a:r>
+            <a:endParaRPr lang="en-US" dirty="0"/>
+          </a:p>
+        </p:txBody>
+      </p:sp>
+      <p:sp>
+        <p:nvSpPr>
+          <p:cNvPr id="3" name="Content Placeholder 2">
+            <a:extLst>
+              <a:ext uri="{FF2B5EF4-FFF2-40B4-BE49-F238E27FC236}">
+                <a16:creationId xmlns:a16="http://schemas.microsoft.com/office/drawing/2014/main" id="{91FF9777-CA2F-4439-AFD5-B1982578F19A}"/>
+              </a:ext>
+            </a:extLst>
+          </p:cNvPr>
+          <p:cNvSpPr>
+            <a:spLocks noGrp="1"/>
+          </p:cNvSpPr>
+          <p:nvPr>
+            <p:ph idx="1"/>
+          </p:nvPr>
+        </p:nvSpPr>
+        <p:spPr/>
+        <p:txBody>
+          <a:bodyPr/>
+          <a:lstStyle/>
+          <a:p>
+            <a:r>
+              <a:rPr lang="en-IN" dirty="0"/>
+              <a:t>Mandatory fields</a:t>
+            </a:r>
+          </a:p>
+          <a:p>
+            <a:pPr lvl="1"/>
+            <a:r>
+              <a:rPr lang="en-IN" dirty="0"/>
+              <a:t>Name</a:t>
+            </a:r>
+          </a:p>
+          <a:p>
+            <a:pPr lvl="1"/>
+            <a:r>
+              <a:rPr lang="en-IN" dirty="0"/>
+              <a:t>Gender</a:t>
+            </a:r>
+          </a:p>
+          <a:p>
+            <a:pPr lvl="1"/>
+            <a:r>
+              <a:rPr lang="en-IN" dirty="0"/>
+              <a:t>Mobile no</a:t>
+            </a:r>
+          </a:p>
+          <a:p>
+            <a:pPr lvl="1"/>
+            <a:r>
+              <a:rPr lang="en-IN" dirty="0"/>
+              <a:t>Date of Birth</a:t>
+            </a:r>
+          </a:p>
+          <a:p>
+            <a:pPr lvl="1"/>
+            <a:endParaRPr lang="en-IN" dirty="0"/>
+          </a:p>
+          <a:p>
+            <a:endParaRPr lang="en-US" dirty="0"/>
+          </a:p>
+        </p:txBody>
+      </p:sp>
+      <p:sp>
+        <p:nvSpPr>
+          <p:cNvPr id="4" name="Slide Number Placeholder 3">
+            <a:extLst>
+              <a:ext uri="{FF2B5EF4-FFF2-40B4-BE49-F238E27FC236}">
+                <a16:creationId xmlns:a16="http://schemas.microsoft.com/office/drawing/2014/main" id="{1CDB1AEF-DC65-457E-BB1B-D5C160A5D317}"/>
+              </a:ext>
+            </a:extLst>
+          </p:cNvPr>
+          <p:cNvSpPr>
+            <a:spLocks noGrp="1"/>
+          </p:cNvSpPr>
+          <p:nvPr>
+            <p:ph type="sldNum" sz="quarter" idx="4"/>
+          </p:nvPr>
+        </p:nvSpPr>
+        <p:spPr/>
+        <p:txBody>
+          <a:bodyPr/>
+          <a:lstStyle/>
+          <a:p>
+            <a:fld id="{E0E99AB9-835E-4D90-AA63-DE64C8EE601D}" type="slidenum">
+              <a:rPr lang="en-IN" smtClean="0"/>
+              <a:pPr/>
+              <a:t>6</a:t>
+            </a:fld>
+            <a:endParaRPr lang="en-IN" dirty="0"/>
+          </a:p>
+        </p:txBody>
+      </p:sp>
+    </p:spTree>
+    <p:extLst>
+      <p:ext uri="{BB962C8B-B14F-4D97-AF65-F5344CB8AC3E}">
+        <p14:creationId xmlns:p14="http://schemas.microsoft.com/office/powerpoint/2010/main" val="2739949064"/>
+      </p:ext>
+    </p:extLst>
+  </p:cSld>
+  <p:clrMapOvr>
+    <a:masterClrMapping/>
+  </p:clrMapOvr>
+</p:sld>
+</file>
+
+<file path=ppt/slides/slide7.xml><?xml version="1.0" encoding="utf-8"?>
+<p:sld xmlns:a="http://schemas.openxmlformats.org/drawingml/2006/main" xmlns:r="http://schemas.openxmlformats.org/officeDocument/2006/relationships" xmlns:p="http://schemas.openxmlformats.org/presentationml/2006/main">
+  <p:cSld>
+    <p:spTree>
+      <p:nvGrpSpPr>
+        <p:cNvPr id="1" name=""/>
+        <p:cNvGrpSpPr/>
+        <p:nvPr/>
+      </p:nvGrpSpPr>
+      <p:grpSpPr>
+        <a:xfrm>
+          <a:off x="0" y="0"/>
+          <a:ext cx="0" cy="0"/>
+          <a:chOff x="0" y="0"/>
+          <a:chExt cx="0" cy="0"/>
+        </a:xfrm>
+      </p:grpSpPr>
+      <p:sp>
+        <p:nvSpPr>
+          <p:cNvPr id="2" name="Title 1">
+            <a:extLst>
+              <a:ext uri="{FF2B5EF4-FFF2-40B4-BE49-F238E27FC236}">
+                <a16:creationId xmlns:a16="http://schemas.microsoft.com/office/drawing/2014/main" id="{61154520-EAE8-4021-80CF-D75CBAE63873}"/>
+              </a:ext>
+            </a:extLst>
+          </p:cNvPr>
+          <p:cNvSpPr>
+            <a:spLocks noGrp="1"/>
+          </p:cNvSpPr>
+          <p:nvPr>
+            <p:ph type="title"/>
+          </p:nvPr>
+        </p:nvSpPr>
+        <p:spPr/>
+        <p:txBody>
+          <a:bodyPr/>
+          <a:lstStyle/>
+          <a:p>
+            <a:r>
+              <a:rPr lang="en-IN" dirty="0"/>
+              <a:t>Capture and Verify Health ID</a:t>
+            </a:r>
+            <a:endParaRPr lang="en-US" dirty="0"/>
+          </a:p>
+        </p:txBody>
+      </p:sp>
+      <p:sp>
+        <p:nvSpPr>
+          <p:cNvPr id="3" name="Content Placeholder 2">
+            <a:extLst>
+              <a:ext uri="{FF2B5EF4-FFF2-40B4-BE49-F238E27FC236}">
+                <a16:creationId xmlns:a16="http://schemas.microsoft.com/office/drawing/2014/main" id="{91FF9777-CA2F-4439-AFD5-B1982578F19A}"/>
+              </a:ext>
+            </a:extLst>
+          </p:cNvPr>
+          <p:cNvSpPr>
+            <a:spLocks noGrp="1"/>
+          </p:cNvSpPr>
+          <p:nvPr>
+            <p:ph idx="1"/>
+          </p:nvPr>
+        </p:nvSpPr>
+        <p:spPr/>
+        <p:txBody>
+          <a:bodyPr/>
+          <a:lstStyle/>
+          <a:p>
+            <a:r>
+              <a:rPr lang="en-IN" dirty="0"/>
+              <a:t>Health ID shared verbally (capture)</a:t>
+            </a:r>
+          </a:p>
+          <a:p>
+            <a:pPr lvl="1"/>
+            <a:r>
+              <a:rPr lang="en-IN" b="1" dirty="0"/>
+              <a:t>Verify</a:t>
+            </a:r>
+            <a:r>
+              <a:rPr lang="en-IN" dirty="0"/>
+              <a:t> using Mobile OTP, Aadhar OTP</a:t>
+            </a:r>
+          </a:p>
+          <a:p>
+            <a:pPr lvl="1"/>
+            <a:r>
+              <a:rPr lang="en-IN" dirty="0"/>
+              <a:t>Biometric</a:t>
+            </a:r>
+          </a:p>
+          <a:p>
+            <a:pPr lvl="1"/>
+            <a:r>
+              <a:rPr lang="en-IN" dirty="0"/>
+              <a:t>IVR</a:t>
+            </a:r>
+          </a:p>
+          <a:p>
+            <a:pPr marL="457200" lvl="1" indent="0">
+              <a:buNone/>
+            </a:pPr>
+            <a:endParaRPr lang="en-IN" dirty="0"/>
+          </a:p>
+          <a:p>
+            <a:r>
+              <a:rPr lang="en-IN" dirty="0"/>
+              <a:t>Using QR Code – (link to HIP)</a:t>
+            </a:r>
+          </a:p>
+          <a:p>
+            <a:pPr lvl="2"/>
+            <a:r>
+              <a:rPr lang="en-IN" dirty="0"/>
+              <a:t>Scan Health ID(</a:t>
+            </a:r>
+            <a:r>
+              <a:rPr lang="en-IN" b="1" dirty="0"/>
+              <a:t>capture</a:t>
+            </a:r>
+            <a:r>
+              <a:rPr lang="en-IN" dirty="0"/>
+              <a:t>) – HIP has access to Health ID, and </a:t>
+            </a:r>
+            <a:r>
+              <a:rPr lang="en-IN" b="1" dirty="0"/>
+              <a:t>verifies</a:t>
+            </a:r>
+            <a:r>
+              <a:rPr lang="en-IN" dirty="0"/>
+              <a:t> using OTP</a:t>
+            </a:r>
+          </a:p>
+          <a:p>
+            <a:pPr lvl="2"/>
+            <a:r>
+              <a:rPr lang="en-IN" dirty="0"/>
+              <a:t>Scan Health Facility ID – share profile with HIP</a:t>
+            </a:r>
+          </a:p>
+          <a:p>
+            <a:endParaRPr lang="en-US" dirty="0"/>
+          </a:p>
+        </p:txBody>
+      </p:sp>
+      <p:sp>
+        <p:nvSpPr>
+          <p:cNvPr id="4" name="Slide Number Placeholder 3">
+            <a:extLst>
+              <a:ext uri="{FF2B5EF4-FFF2-40B4-BE49-F238E27FC236}">
+                <a16:creationId xmlns:a16="http://schemas.microsoft.com/office/drawing/2014/main" id="{1CDB1AEF-DC65-457E-BB1B-D5C160A5D317}"/>
+              </a:ext>
+            </a:extLst>
+          </p:cNvPr>
+          <p:cNvSpPr>
+            <a:spLocks noGrp="1"/>
+          </p:cNvSpPr>
+          <p:nvPr>
+            <p:ph type="sldNum" sz="quarter" idx="4"/>
+          </p:nvPr>
+        </p:nvSpPr>
+        <p:spPr/>
+        <p:txBody>
+          <a:bodyPr/>
+          <a:lstStyle/>
+          <a:p>
+            <a:fld id="{E0E99AB9-835E-4D90-AA63-DE64C8EE601D}" type="slidenum">
+              <a:rPr lang="en-IN" smtClean="0"/>
+              <a:pPr/>
+              <a:t>7</a:t>
+            </a:fld>
+            <a:endParaRPr lang="en-IN" dirty="0"/>
+          </a:p>
+        </p:txBody>
+      </p:sp>
+    </p:spTree>
+    <p:extLst>
+      <p:ext uri="{BB962C8B-B14F-4D97-AF65-F5344CB8AC3E}">
+        <p14:creationId xmlns:p14="http://schemas.microsoft.com/office/powerpoint/2010/main" val="683572314"/>
+      </p:ext>
+    </p:extLst>
+  </p:cSld>
+  <p:clrMapOvr>
+    <a:masterClrMapping/>
+  </p:clrMapOvr>
+</p:sld>
+</file>
+
+<file path=ppt/slides/slide8.xml><?xml version="1.0" encoding="utf-8"?>
+<p:sld xmlns:a="http://schemas.openxmlformats.org/drawingml/2006/main" xmlns:r="http://schemas.openxmlformats.org/officeDocument/2006/relationships" xmlns:p="http://schemas.openxmlformats.org/presentationml/2006/main">
+  <p:cSld>
+    <p:spTree>
+      <p:nvGrpSpPr>
+        <p:cNvPr id="1" name=""/>
+        <p:cNvGrpSpPr/>
+        <p:nvPr/>
+      </p:nvGrpSpPr>
+      <p:grpSpPr>
+        <a:xfrm>
+          <a:off x="0" y="0"/>
+          <a:ext cx="0" cy="0"/>
+          <a:chOff x="0" y="0"/>
+          <a:chExt cx="0" cy="0"/>
+        </a:xfrm>
+      </p:grpSpPr>
+      <p:sp>
+        <p:nvSpPr>
+          <p:cNvPr id="5" name="Title 4">
+            <a:extLst>
+              <a:ext uri="{FF2B5EF4-FFF2-40B4-BE49-F238E27FC236}">
+                <a16:creationId xmlns:a16="http://schemas.microsoft.com/office/drawing/2014/main" id="{89E67B9F-B191-45F5-B019-266EBE35A5A0}"/>
+              </a:ext>
+            </a:extLst>
+          </p:cNvPr>
+          <p:cNvSpPr>
+            <a:spLocks noGrp="1"/>
+          </p:cNvSpPr>
+          <p:nvPr>
+            <p:ph type="ctrTitle"/>
+          </p:nvPr>
+        </p:nvSpPr>
+        <p:spPr/>
+        <p:txBody>
+          <a:bodyPr/>
+          <a:lstStyle/>
+          <a:p>
+            <a:r>
+              <a:rPr lang="en-IN" dirty="0"/>
+              <a:t>Use Case - 1</a:t>
+            </a:r>
+            <a:endParaRPr lang="en-US" dirty="0"/>
+          </a:p>
+        </p:txBody>
+      </p:sp>
+      <p:sp>
+        <p:nvSpPr>
+          <p:cNvPr id="6" name="Subtitle 5">
+            <a:extLst>
+              <a:ext uri="{FF2B5EF4-FFF2-40B4-BE49-F238E27FC236}">
+                <a16:creationId xmlns:a16="http://schemas.microsoft.com/office/drawing/2014/main" id="{054D5F1E-C44F-4CEB-AD96-F9DF90FE33EC}"/>
+              </a:ext>
+            </a:extLst>
+          </p:cNvPr>
+          <p:cNvSpPr>
+            <a:spLocks noGrp="1"/>
+          </p:cNvSpPr>
+          <p:nvPr>
+            <p:ph type="subTitle" idx="1"/>
+          </p:nvPr>
+        </p:nvSpPr>
+        <p:spPr/>
+        <p:txBody>
+          <a:bodyPr>
+            <a:normAutofit fontScale="77500" lnSpcReduction="20000"/>
+          </a:bodyPr>
+          <a:lstStyle/>
+          <a:p>
+            <a:r>
+              <a:rPr lang="en-IN" dirty="0"/>
+              <a:t>Out Patient Study</a:t>
+            </a:r>
+          </a:p>
+          <a:p>
+            <a:br>
+              <a:rPr lang="en-IN" dirty="0"/>
+            </a:br>
+            <a:r>
+              <a:rPr lang="en-IN" dirty="0"/>
+              <a:t>A patient with type 2 diabetes and complex comorbidities</a:t>
+            </a:r>
+            <a:endParaRPr lang="en-US" dirty="0"/>
+          </a:p>
+        </p:txBody>
+      </p:sp>
+      <p:sp>
+        <p:nvSpPr>
+          <p:cNvPr id="4" name="Slide Number Placeholder 3">
+            <a:extLst>
+              <a:ext uri="{FF2B5EF4-FFF2-40B4-BE49-F238E27FC236}">
+                <a16:creationId xmlns:a16="http://schemas.microsoft.com/office/drawing/2014/main" id="{4CF6776E-FC3D-4074-9256-63DF11D2AC3C}"/>
+              </a:ext>
+            </a:extLst>
+          </p:cNvPr>
+          <p:cNvSpPr>
+            <a:spLocks noGrp="1"/>
+          </p:cNvSpPr>
+          <p:nvPr>
+            <p:ph type="sldNum" sz="quarter" idx="4"/>
+          </p:nvPr>
+        </p:nvSpPr>
+        <p:spPr/>
+        <p:txBody>
+          <a:bodyPr/>
+          <a:lstStyle/>
+          <a:p>
+            <a:fld id="{E0E99AB9-835E-4D90-AA63-DE64C8EE601D}" type="slidenum">
+              <a:rPr lang="en-IN" smtClean="0"/>
+              <a:pPr/>
+              <a:t>8</a:t>
+            </a:fld>
+            <a:endParaRPr lang="en-IN" dirty="0"/>
+          </a:p>
+        </p:txBody>
+      </p:sp>
+    </p:spTree>
+    <p:extLst>
+      <p:ext uri="{BB962C8B-B14F-4D97-AF65-F5344CB8AC3E}">
+        <p14:creationId xmlns:p14="http://schemas.microsoft.com/office/powerpoint/2010/main" val="4099402773"/>
+      </p:ext>
+    </p:extLst>
+  </p:cSld>
+  <p:clrMapOvr>
+    <a:masterClrMapping/>
+  </p:clrMapOvr>
+</p:sld>
+</file>
+
+<file path=ppt/slides/slide9.xml><?xml version="1.0" encoding="utf-8"?>
+<p:sld xmlns:a="http://schemas.openxmlformats.org/drawingml/2006/main" xmlns:r="http://schemas.openxmlformats.org/officeDocument/2006/relationships" xmlns:p="http://schemas.openxmlformats.org/presentationml/2006/main">
+  <p:cSld>
+    <p:spTree>
+      <p:nvGrpSpPr>
+        <p:cNvPr id="1" name=""/>
+        <p:cNvGrpSpPr/>
+        <p:nvPr/>
+      </p:nvGrpSpPr>
+      <p:grpSpPr>
+        <a:xfrm>
+          <a:off x="0" y="0"/>
+          <a:ext cx="0" cy="0"/>
+          <a:chOff x="0" y="0"/>
+          <a:chExt cx="0" cy="0"/>
+        </a:xfrm>
+      </p:grpSpPr>
+      <p:sp>
+        <p:nvSpPr>
+          <p:cNvPr id="4" name="Slide Number Placeholder 3">
+            <a:extLst>
+              <a:ext uri="{FF2B5EF4-FFF2-40B4-BE49-F238E27FC236}">
+                <a16:creationId xmlns:a16="http://schemas.microsoft.com/office/drawing/2014/main" id="{A8704854-1315-46F6-9BF7-3036027FABEB}"/>
+              </a:ext>
+            </a:extLst>
+          </p:cNvPr>
+          <p:cNvSpPr>
+            <a:spLocks noGrp="1"/>
+          </p:cNvSpPr>
+          <p:nvPr>
+            <p:ph type="sldNum" sz="quarter" idx="4294967295"/>
+          </p:nvPr>
+        </p:nvSpPr>
+        <p:spPr>
+          <a:xfrm>
+            <a:off x="11215688" y="5919788"/>
+            <a:ext cx="976312" cy="274637"/>
+          </a:xfrm>
+        </p:spPr>
+        <p:txBody>
+          <a:bodyPr/>
+          <a:lstStyle/>
+          <a:p>
+            <a:fld id="{E0E99AB9-835E-4D90-AA63-DE64C8EE601D}" type="slidenum">
+              <a:rPr lang="en-IN" smtClean="0"/>
+              <a:pPr/>
+              <a:t>9</a:t>
+            </a:fld>
+            <a:endParaRPr lang="en-IN" dirty="0"/>
+          </a:p>
+        </p:txBody>
+      </p:sp>
+      <p:pic>
+        <p:nvPicPr>
+          <p:cNvPr id="14" name="Picture 13">
+            <a:extLst>
+              <a:ext uri="{FF2B5EF4-FFF2-40B4-BE49-F238E27FC236}">
+                <a16:creationId xmlns:a16="http://schemas.microsoft.com/office/drawing/2014/main" id="{F4616685-7383-4F3E-B79A-745BCDBCD3D9}"/>
+              </a:ext>
+            </a:extLst>
+          </p:cNvPr>
+          <p:cNvPicPr>
+            <a:picLocks noChangeAspect="1"/>
+          </p:cNvPicPr>
+          <p:nvPr/>
+        </p:nvPicPr>
+        <p:blipFill>
+          <a:blip r:embed="rId2"/>
+          <a:stretch>
+            <a:fillRect/>
+          </a:stretch>
+        </p:blipFill>
+        <p:spPr>
+          <a:xfrm>
+            <a:off x="986790" y="965729"/>
+            <a:ext cx="10218420" cy="5745480"/>
+          </a:xfrm>
+          <a:prstGeom prst="rect">
+            <a:avLst/>
+          </a:prstGeom>
+        </p:spPr>
+      </p:pic>
+    </p:spTree>
+    <p:extLst>
+      <p:ext uri="{BB962C8B-B14F-4D97-AF65-F5344CB8AC3E}">
+        <p14:creationId xmlns:p14="http://schemas.microsoft.com/office/powerpoint/2010/main" val="752778005"/>
       </p:ext>
     </p:extLst>
   </p:cSld>
